--- a/docs/taommall v1.0.pptx
+++ b/docs/taommall v1.0.pptx
@@ -2499,7 +2499,7 @@
                 </a:solidFill>
               </a:rPr>
               <a:pPr algn="l"/>
-              <a:t>5/27/2015</a:t>
+              <a:t>5/30/2015</a:t>
             </a:fld>
             <a:endParaRPr sz="1200">
               <a:solidFill>
@@ -9501,7 +9501,7 @@
         </p:nvSpPr>
         <p:spPr>
           <a:xfrm>
-            <a:off x="539552" y="1988840"/>
+            <a:off x="539552" y="1628800"/>
             <a:ext cx="6624736" cy="697627"/>
           </a:xfrm>
           <a:prstGeom prst="rect">
@@ -9634,8 +9634,8 @@
         </p:nvSpPr>
         <p:spPr>
           <a:xfrm>
-            <a:off x="539552" y="2988160"/>
-            <a:ext cx="6624736" cy="697627"/>
+            <a:off x="539552" y="2628120"/>
+            <a:ext cx="7920880" cy="1723549"/>
           </a:xfrm>
           <a:prstGeom prst="rect">
             <a:avLst/>
@@ -9718,10 +9718,10 @@
                 <a:latin typeface="맑은 고딕" pitchFamily="50" charset="-127"/>
                 <a:ea typeface="맑은 고딕" pitchFamily="50" charset="-127"/>
               </a:rPr>
-              <a:t>       신뢰할 수 있는 </a:t>
-            </a:r>
-            <a:r>
-              <a:rPr lang="ko-KR" altLang="en-US" sz="2000" spc="-50" dirty="0" err="1" smtClean="0">
+              <a:t>       </a:t>
+            </a:r>
+            <a:r>
+              <a:rPr lang="ko-KR" altLang="en-US" sz="2000" spc="-50" dirty="0" smtClean="0">
                 <a:solidFill>
                   <a:schemeClr val="tx2">
                     <a:lumMod val="75000"/>
@@ -9730,7 +9730,7 @@
                 <a:latin typeface="맑은 고딕" pitchFamily="50" charset="-127"/>
                 <a:ea typeface="맑은 고딕" pitchFamily="50" charset="-127"/>
               </a:rPr>
-              <a:t>판매자를</a:t>
+              <a:t>팀원이 </a:t>
             </a:r>
             <a:r>
               <a:rPr lang="ko-KR" altLang="en-US" sz="2000" spc="-50" dirty="0" smtClean="0">
@@ -9742,10 +9742,10 @@
                 <a:latin typeface="맑은 고딕" pitchFamily="50" charset="-127"/>
                 <a:ea typeface="맑은 고딕" pitchFamily="50" charset="-127"/>
               </a:rPr>
-              <a:t> 직접 선별 및 관리한다</a:t>
-            </a:r>
-            <a:r>
-              <a:rPr lang="en-US" altLang="ko-KR" sz="2000" spc="-50" dirty="0" smtClean="0">
+              <a:t>세 명이라 </a:t>
+            </a:r>
+            <a:r>
+              <a:rPr lang="ko-KR" altLang="en-US" sz="2000" spc="-50" dirty="0" err="1" smtClean="0">
                 <a:solidFill>
                   <a:schemeClr val="tx2">
                     <a:lumMod val="75000"/>
@@ -9754,8 +9754,273 @@
                 <a:latin typeface="맑은 고딕" pitchFamily="50" charset="-127"/>
                 <a:ea typeface="맑은 고딕" pitchFamily="50" charset="-127"/>
               </a:rPr>
+              <a:t>다른팀에</a:t>
+            </a:r>
+            <a:r>
+              <a:rPr lang="ko-KR" altLang="en-US" sz="2000" spc="-50" dirty="0" smtClean="0">
+                <a:solidFill>
+                  <a:schemeClr val="tx2">
+                    <a:lumMod val="75000"/>
+                  </a:schemeClr>
+                </a:solidFill>
+                <a:latin typeface="맑은 고딕" pitchFamily="50" charset="-127"/>
+                <a:ea typeface="맑은 고딕" pitchFamily="50" charset="-127"/>
+              </a:rPr>
+              <a:t> 비해 인원이 적어 각자 </a:t>
+            </a:r>
+            <a:r>
+              <a:rPr lang="ko-KR" altLang="en-US" sz="2000" spc="-50" dirty="0" smtClean="0">
+                <a:solidFill>
+                  <a:schemeClr val="tx2">
+                    <a:lumMod val="75000"/>
+                  </a:schemeClr>
+                </a:solidFill>
+                <a:latin typeface="맑은 고딕" pitchFamily="50" charset="-127"/>
+                <a:ea typeface="맑은 고딕" pitchFamily="50" charset="-127"/>
+              </a:rPr>
+              <a:t>해야 할 </a:t>
+            </a:r>
+            <a:r>
+              <a:rPr lang="ko-KR" altLang="en-US" sz="2000" spc="-50" dirty="0" smtClean="0">
+                <a:solidFill>
+                  <a:schemeClr val="tx2">
+                    <a:lumMod val="75000"/>
+                  </a:schemeClr>
+                </a:solidFill>
+                <a:latin typeface="맑은 고딕" pitchFamily="50" charset="-127"/>
+                <a:ea typeface="맑은 고딕" pitchFamily="50" charset="-127"/>
+              </a:rPr>
+              <a:t>일은 </a:t>
+            </a:r>
+            <a:r>
+              <a:rPr lang="en-US" altLang="ko-KR" sz="2000" spc="-50" dirty="0" smtClean="0">
+                <a:solidFill>
+                  <a:schemeClr val="tx2">
+                    <a:lumMod val="75000"/>
+                  </a:schemeClr>
+                </a:solidFill>
+                <a:latin typeface="맑은 고딕" pitchFamily="50" charset="-127"/>
+                <a:ea typeface="맑은 고딕" pitchFamily="50" charset="-127"/>
+              </a:rPr>
+              <a:t> </a:t>
+            </a:r>
+            <a:r>
+              <a:rPr lang="en-US" altLang="ko-KR" sz="2000" spc="-50" dirty="0" smtClean="0">
+                <a:solidFill>
+                  <a:schemeClr val="tx2">
+                    <a:lumMod val="75000"/>
+                  </a:schemeClr>
+                </a:solidFill>
+                <a:latin typeface="맑은 고딕" pitchFamily="50" charset="-127"/>
+                <a:ea typeface="맑은 고딕" pitchFamily="50" charset="-127"/>
+              </a:rPr>
+              <a:t>                   </a:t>
+            </a:r>
+            <a:r>
+              <a:rPr lang="ko-KR" altLang="en-US" sz="2000" spc="-50" dirty="0" smtClean="0">
+                <a:solidFill>
+                  <a:schemeClr val="tx2">
+                    <a:lumMod val="75000"/>
+                  </a:schemeClr>
+                </a:solidFill>
+                <a:latin typeface="맑은 고딕" pitchFamily="50" charset="-127"/>
+                <a:ea typeface="맑은 고딕" pitchFamily="50" charset="-127"/>
+              </a:rPr>
+              <a:t>많아졌지만 </a:t>
+            </a:r>
+            <a:r>
+              <a:rPr lang="ko-KR" altLang="en-US" sz="2000" spc="-50" dirty="0" err="1" smtClean="0">
+                <a:solidFill>
+                  <a:schemeClr val="tx2">
+                    <a:lumMod val="75000"/>
+                  </a:schemeClr>
+                </a:solidFill>
+                <a:latin typeface="맑은 고딕" pitchFamily="50" charset="-127"/>
+                <a:ea typeface="맑은 고딕" pitchFamily="50" charset="-127"/>
+              </a:rPr>
+              <a:t>고생한만큼</a:t>
+            </a:r>
+            <a:r>
+              <a:rPr lang="ko-KR" altLang="en-US" sz="2000" spc="-50" dirty="0" smtClean="0">
+                <a:solidFill>
+                  <a:schemeClr val="tx2">
+                    <a:lumMod val="75000"/>
+                  </a:schemeClr>
+                </a:solidFill>
+                <a:latin typeface="맑은 고딕" pitchFamily="50" charset="-127"/>
+                <a:ea typeface="맑은 고딕" pitchFamily="50" charset="-127"/>
+              </a:rPr>
+              <a:t> </a:t>
+            </a:r>
+            <a:r>
+              <a:rPr lang="ko-KR" altLang="en-US" sz="2000" spc="-50" dirty="0" smtClean="0">
+                <a:solidFill>
+                  <a:schemeClr val="tx2">
+                    <a:lumMod val="75000"/>
+                  </a:schemeClr>
+                </a:solidFill>
+                <a:latin typeface="맑은 고딕" pitchFamily="50" charset="-127"/>
+                <a:ea typeface="맑은 고딕" pitchFamily="50" charset="-127"/>
+              </a:rPr>
+              <a:t>얻을 수 </a:t>
+            </a:r>
+            <a:r>
+              <a:rPr lang="ko-KR" altLang="en-US" sz="2000" spc="-50" dirty="0" err="1" smtClean="0">
+                <a:solidFill>
+                  <a:schemeClr val="tx2">
+                    <a:lumMod val="75000"/>
+                  </a:schemeClr>
+                </a:solidFill>
+                <a:latin typeface="맑은 고딕" pitchFamily="50" charset="-127"/>
+                <a:ea typeface="맑은 고딕" pitchFamily="50" charset="-127"/>
+              </a:rPr>
+              <a:t>있는게</a:t>
+            </a:r>
+            <a:r>
+              <a:rPr lang="ko-KR" altLang="en-US" sz="2000" spc="-50" dirty="0" smtClean="0">
+                <a:solidFill>
+                  <a:schemeClr val="tx2">
+                    <a:lumMod val="75000"/>
+                  </a:schemeClr>
+                </a:solidFill>
+                <a:latin typeface="맑은 고딕" pitchFamily="50" charset="-127"/>
+                <a:ea typeface="맑은 고딕" pitchFamily="50" charset="-127"/>
+              </a:rPr>
+              <a:t> 더 </a:t>
+            </a:r>
+            <a:r>
+              <a:rPr lang="ko-KR" altLang="en-US" sz="2000" spc="-50" dirty="0" smtClean="0">
+                <a:solidFill>
+                  <a:schemeClr val="tx2">
+                    <a:lumMod val="75000"/>
+                  </a:schemeClr>
+                </a:solidFill>
+                <a:latin typeface="맑은 고딕" pitchFamily="50" charset="-127"/>
+                <a:ea typeface="맑은 고딕" pitchFamily="50" charset="-127"/>
+              </a:rPr>
+              <a:t>많을 것이라 </a:t>
+            </a:r>
+            <a:r>
+              <a:rPr lang="ko-KR" altLang="en-US" sz="2000" spc="-50" dirty="0" smtClean="0">
+                <a:solidFill>
+                  <a:schemeClr val="tx2">
+                    <a:lumMod val="75000"/>
+                  </a:schemeClr>
+                </a:solidFill>
+                <a:latin typeface="맑은 고딕" pitchFamily="50" charset="-127"/>
+                <a:ea typeface="맑은 고딕" pitchFamily="50" charset="-127"/>
+              </a:rPr>
+              <a:t>생각합니다</a:t>
+            </a:r>
+            <a:r>
+              <a:rPr lang="en-US" altLang="ko-KR" sz="2000" spc="-50" dirty="0" smtClean="0">
+                <a:solidFill>
+                  <a:schemeClr val="tx2">
+                    <a:lumMod val="75000"/>
+                  </a:schemeClr>
+                </a:solidFill>
+                <a:latin typeface="맑은 고딕" pitchFamily="50" charset="-127"/>
+                <a:ea typeface="맑은 고딕" pitchFamily="50" charset="-127"/>
+              </a:rPr>
+              <a:t>. </a:t>
+            </a:r>
+            <a:endParaRPr lang="en-US" altLang="ko-KR" sz="2000" spc="-50" dirty="0" smtClean="0">
+              <a:solidFill>
+                <a:schemeClr val="tx2">
+                  <a:lumMod val="75000"/>
+                </a:schemeClr>
+              </a:solidFill>
+              <a:latin typeface="맑은 고딕" pitchFamily="50" charset="-127"/>
+              <a:ea typeface="맑은 고딕" pitchFamily="50" charset="-127"/>
+            </a:endParaRPr>
+          </a:p>
+          <a:p>
+            <a:pPr>
+              <a:lnSpc>
+                <a:spcPts val="2000"/>
+              </a:lnSpc>
+            </a:pPr>
+            <a:r>
+              <a:rPr lang="ko-KR" altLang="en-US" sz="2000" spc="-50" dirty="0" smtClean="0">
+                <a:solidFill>
+                  <a:schemeClr val="tx2">
+                    <a:lumMod val="75000"/>
+                  </a:schemeClr>
+                </a:solidFill>
+                <a:latin typeface="맑은 고딕" pitchFamily="50" charset="-127"/>
+                <a:ea typeface="맑은 고딕" pitchFamily="50" charset="-127"/>
+              </a:rPr>
+              <a:t>또한 </a:t>
+            </a:r>
+            <a:r>
+              <a:rPr lang="ko-KR" altLang="en-US" sz="2000" spc="-50" dirty="0" smtClean="0">
+                <a:solidFill>
+                  <a:schemeClr val="tx2">
+                    <a:lumMod val="75000"/>
+                  </a:schemeClr>
+                </a:solidFill>
+                <a:latin typeface="맑은 고딕" pitchFamily="50" charset="-127"/>
+                <a:ea typeface="맑은 고딕" pitchFamily="50" charset="-127"/>
+              </a:rPr>
+              <a:t>팀원들과 협력하여 프로젝트를 개발하는 일은 처음이라 설레기도 하고 걱정도 되지만 </a:t>
+            </a:r>
+            <a:r>
+              <a:rPr lang="ko-KR" altLang="en-US" sz="2000" spc="-50" dirty="0" smtClean="0">
+                <a:solidFill>
+                  <a:schemeClr val="tx2">
+                    <a:lumMod val="75000"/>
+                  </a:schemeClr>
+                </a:solidFill>
+                <a:latin typeface="맑은 고딕" pitchFamily="50" charset="-127"/>
+                <a:ea typeface="맑은 고딕" pitchFamily="50" charset="-127"/>
+              </a:rPr>
+              <a:t>좋은 결과를 만들 수 </a:t>
+            </a:r>
+            <a:r>
+              <a:rPr lang="ko-KR" altLang="en-US" sz="2000" spc="-50" dirty="0" smtClean="0">
+                <a:solidFill>
+                  <a:schemeClr val="tx2">
+                    <a:lumMod val="75000"/>
+                  </a:schemeClr>
+                </a:solidFill>
+                <a:latin typeface="맑은 고딕" pitchFamily="50" charset="-127"/>
+                <a:ea typeface="맑은 고딕" pitchFamily="50" charset="-127"/>
+              </a:rPr>
+              <a:t>있도록 </a:t>
+            </a:r>
+            <a:r>
+              <a:rPr lang="ko-KR" altLang="en-US" sz="2000" spc="-50" dirty="0" smtClean="0">
+                <a:solidFill>
+                  <a:schemeClr val="tx2">
+                    <a:lumMod val="75000"/>
+                  </a:schemeClr>
+                </a:solidFill>
+                <a:latin typeface="맑은 고딕" pitchFamily="50" charset="-127"/>
+                <a:ea typeface="맑은 고딕" pitchFamily="50" charset="-127"/>
+              </a:rPr>
+              <a:t>적극 참여하겠습니다</a:t>
+            </a:r>
+            <a:r>
+              <a:rPr lang="en-US" altLang="ko-KR" sz="2000" spc="-50" dirty="0" smtClean="0">
+                <a:solidFill>
+                  <a:schemeClr val="tx2">
+                    <a:lumMod val="75000"/>
+                  </a:schemeClr>
+                </a:solidFill>
+                <a:latin typeface="맑은 고딕" pitchFamily="50" charset="-127"/>
+                <a:ea typeface="맑은 고딕" pitchFamily="50" charset="-127"/>
+              </a:rPr>
               <a:t>.</a:t>
             </a:r>
+            <a:endParaRPr lang="en-US" altLang="ko-KR" sz="2000" spc="-50" dirty="0" smtClean="0">
+              <a:solidFill>
+                <a:schemeClr val="tx2">
+                  <a:lumMod val="75000"/>
+                </a:schemeClr>
+              </a:solidFill>
+              <a:latin typeface="맑은 고딕" pitchFamily="50" charset="-127"/>
+              <a:ea typeface="맑은 고딕" pitchFamily="50" charset="-127"/>
+            </a:endParaRPr>
           </a:p>
         </p:txBody>
       </p:sp>
@@ -9767,8 +10032,8 @@
         </p:nvSpPr>
         <p:spPr>
           <a:xfrm>
-            <a:off x="539552" y="4005064"/>
-            <a:ext cx="6624736" cy="697627"/>
+            <a:off x="539552" y="4491117"/>
+            <a:ext cx="7920880" cy="954107"/>
           </a:xfrm>
           <a:prstGeom prst="rect">
             <a:avLst/>
@@ -9851,10 +10116,10 @@
                 <a:latin typeface="맑은 고딕" pitchFamily="50" charset="-127"/>
                 <a:ea typeface="맑은 고딕" pitchFamily="50" charset="-127"/>
               </a:rPr>
-              <a:t>       신뢰할 수 있는 </a:t>
-            </a:r>
-            <a:r>
-              <a:rPr lang="ko-KR" altLang="en-US" sz="2000" spc="-50" dirty="0" err="1" smtClean="0">
+              <a:t>       </a:t>
+            </a:r>
+            <a:r>
+              <a:rPr lang="ko-KR" altLang="en-US" sz="2000" spc="-50" dirty="0" smtClean="0">
                 <a:solidFill>
                   <a:schemeClr val="tx2">
                     <a:lumMod val="75000"/>
@@ -9863,10 +10128,10 @@
                 <a:latin typeface="맑은 고딕" pitchFamily="50" charset="-127"/>
                 <a:ea typeface="맑은 고딕" pitchFamily="50" charset="-127"/>
               </a:rPr>
-              <a:t>판매자를</a:t>
-            </a:r>
-            <a:r>
-              <a:rPr lang="ko-KR" altLang="en-US" sz="2000" spc="-50" dirty="0" smtClean="0">
+              <a:t>많은 걸 할 수 있고</a:t>
+            </a:r>
+            <a:r>
+              <a:rPr lang="en-US" altLang="ko-KR" sz="2000" spc="-50" dirty="0" smtClean="0">
                 <a:solidFill>
                   <a:schemeClr val="tx2">
                     <a:lumMod val="75000"/>
@@ -9875,10 +10140,10 @@
                 <a:latin typeface="맑은 고딕" pitchFamily="50" charset="-127"/>
                 <a:ea typeface="맑은 고딕" pitchFamily="50" charset="-127"/>
               </a:rPr>
-              <a:t> 직접 선별 및 관리한다</a:t>
-            </a:r>
-            <a:r>
-              <a:rPr lang="en-US" altLang="ko-KR" sz="2000" spc="-50" dirty="0" smtClean="0">
+              <a:t>, </a:t>
+            </a:r>
+            <a:r>
+              <a:rPr lang="ko-KR" altLang="en-US" sz="2000" spc="-50" dirty="0" smtClean="0">
                 <a:solidFill>
                   <a:schemeClr val="tx2">
                     <a:lumMod val="75000"/>
@@ -9887,8 +10152,48 @@
                 <a:latin typeface="맑은 고딕" pitchFamily="50" charset="-127"/>
                 <a:ea typeface="맑은 고딕" pitchFamily="50" charset="-127"/>
               </a:rPr>
-              <a:t>.</a:t>
-            </a:r>
+              <a:t>배울 수 있는 기회를 얻게 되어서 기쁘고</a:t>
+            </a:r>
+          </a:p>
+          <a:p>
+            <a:pPr>
+              <a:lnSpc>
+                <a:spcPts val="2000"/>
+              </a:lnSpc>
+            </a:pPr>
+            <a:r>
+              <a:rPr lang="ko-KR" altLang="en-US" sz="2000" spc="-50" dirty="0" smtClean="0">
+                <a:solidFill>
+                  <a:schemeClr val="tx2">
+                    <a:lumMod val="75000"/>
+                  </a:schemeClr>
+                </a:solidFill>
+                <a:latin typeface="맑은 고딕" pitchFamily="50" charset="-127"/>
+                <a:ea typeface="맑은 고딕" pitchFamily="50" charset="-127"/>
+              </a:rPr>
+              <a:t> 좋은 결과물을 얻으면 좋겠습니다</a:t>
+            </a:r>
+            <a:r>
+              <a:rPr lang="en-US" altLang="ko-KR" sz="2000" spc="-50" dirty="0" smtClean="0">
+                <a:solidFill>
+                  <a:schemeClr val="tx2">
+                    <a:lumMod val="75000"/>
+                  </a:schemeClr>
+                </a:solidFill>
+                <a:latin typeface="맑은 고딕" pitchFamily="50" charset="-127"/>
+                <a:ea typeface="맑은 고딕" pitchFamily="50" charset="-127"/>
+              </a:rPr>
+              <a:t>..</a:t>
+            </a:r>
+            <a:endParaRPr lang="en-US" altLang="ko-KR" sz="2000" spc="-50" dirty="0" smtClean="0">
+              <a:solidFill>
+                <a:schemeClr val="tx2">
+                  <a:lumMod val="75000"/>
+                </a:schemeClr>
+              </a:solidFill>
+              <a:latin typeface="맑은 고딕" pitchFamily="50" charset="-127"/>
+              <a:ea typeface="맑은 고딕" pitchFamily="50" charset="-127"/>
+            </a:endParaRPr>
           </a:p>
         </p:txBody>
       </p:sp>
@@ -14811,7 +15116,79 @@
                 <a:latin typeface="맑은 고딕" pitchFamily="50" charset="-127"/>
                 <a:ea typeface="맑은 고딕" pitchFamily="50" charset="-127"/>
               </a:rPr>
-              <a:t>     판매자가 직접 판매하여</a:t>
+              <a:t>     </a:t>
+            </a:r>
+            <a:r>
+              <a:rPr lang="ko-KR" altLang="en-US" sz="2000" b="0" spc="-50" dirty="0" smtClean="0">
+                <a:solidFill>
+                  <a:schemeClr val="tx2">
+                    <a:lumMod val="75000"/>
+                  </a:schemeClr>
+                </a:solidFill>
+                <a:latin typeface="맑은 고딕" pitchFamily="50" charset="-127"/>
+                <a:ea typeface="맑은 고딕" pitchFamily="50" charset="-127"/>
+              </a:rPr>
+              <a:t>판매자</a:t>
+            </a:r>
+            <a:r>
+              <a:rPr lang="en-US" altLang="ko-KR" sz="2000" b="0" spc="-50" dirty="0" smtClean="0">
+                <a:solidFill>
+                  <a:schemeClr val="tx2">
+                    <a:lumMod val="75000"/>
+                  </a:schemeClr>
+                </a:solidFill>
+                <a:latin typeface="맑은 고딕" pitchFamily="50" charset="-127"/>
+                <a:ea typeface="맑은 고딕" pitchFamily="50" charset="-127"/>
+              </a:rPr>
+              <a:t>(</a:t>
+            </a:r>
+            <a:r>
+              <a:rPr lang="ko-KR" altLang="en-US" sz="2000" b="0" spc="-50" dirty="0" smtClean="0">
+                <a:solidFill>
+                  <a:schemeClr val="tx2">
+                    <a:lumMod val="75000"/>
+                  </a:schemeClr>
+                </a:solidFill>
+                <a:latin typeface="맑은 고딕" pitchFamily="50" charset="-127"/>
+                <a:ea typeface="맑은 고딕" pitchFamily="50" charset="-127"/>
+              </a:rPr>
+              <a:t>도매</a:t>
+            </a:r>
+            <a:r>
+              <a:rPr lang="en-US" altLang="ko-KR" sz="2000" b="0" spc="-50" dirty="0" smtClean="0">
+                <a:solidFill>
+                  <a:schemeClr val="tx2">
+                    <a:lumMod val="75000"/>
+                  </a:schemeClr>
+                </a:solidFill>
+                <a:latin typeface="맑은 고딕" pitchFamily="50" charset="-127"/>
+                <a:ea typeface="맑은 고딕" pitchFamily="50" charset="-127"/>
+              </a:rPr>
+              <a:t>)</a:t>
+            </a:r>
+            <a:r>
+              <a:rPr lang="ko-KR" altLang="en-US" sz="2000" b="0" spc="-50" dirty="0" smtClean="0">
+                <a:solidFill>
+                  <a:schemeClr val="tx2">
+                    <a:lumMod val="75000"/>
+                  </a:schemeClr>
+                </a:solidFill>
+                <a:latin typeface="맑은 고딕" pitchFamily="50" charset="-127"/>
+                <a:ea typeface="맑은 고딕" pitchFamily="50" charset="-127"/>
+              </a:rPr>
+              <a:t>가 </a:t>
+            </a:r>
+            <a:r>
+              <a:rPr lang="ko-KR" altLang="en-US" sz="2000" b="0" spc="-50" dirty="0" smtClean="0">
+                <a:solidFill>
+                  <a:schemeClr val="tx2">
+                    <a:lumMod val="75000"/>
+                  </a:schemeClr>
+                </a:solidFill>
+                <a:latin typeface="맑은 고딕" pitchFamily="50" charset="-127"/>
+                <a:ea typeface="맑은 고딕" pitchFamily="50" charset="-127"/>
+              </a:rPr>
+              <a:t>직접 판매하여</a:t>
             </a:r>
             <a:r>
               <a:rPr lang="en-US" altLang="ko-KR" sz="2000" b="0" spc="-50" dirty="0" smtClean="0">
